--- a/Iteration 1 docs/ITERATION 1 Sensor PPT.pptx
+++ b/Iteration 1 docs/ITERATION 1 Sensor PPT.pptx
@@ -5,7 +5,7 @@
     <p:sldMasterId id="2147483648" r:id="rId1"/>
   </p:sldMasterIdLst>
   <p:notesMasterIdLst>
-    <p:notesMasterId r:id="rId46"/>
+    <p:notesMasterId r:id="rId43"/>
   </p:notesMasterIdLst>
   <p:sldIdLst>
     <p:sldId id="256" r:id="rId2"/>
@@ -45,13 +45,10 @@
     <p:sldId id="262" r:id="rId36"/>
     <p:sldId id="257" r:id="rId37"/>
     <p:sldId id="265" r:id="rId38"/>
-    <p:sldId id="269" r:id="rId39"/>
-    <p:sldId id="268" r:id="rId40"/>
-    <p:sldId id="267" r:id="rId41"/>
-    <p:sldId id="306" r:id="rId42"/>
-    <p:sldId id="307" r:id="rId43"/>
-    <p:sldId id="266" r:id="rId44"/>
-    <p:sldId id="270" r:id="rId45"/>
+    <p:sldId id="306" r:id="rId39"/>
+    <p:sldId id="307" r:id="rId40"/>
+    <p:sldId id="266" r:id="rId41"/>
+    <p:sldId id="270" r:id="rId42"/>
   </p:sldIdLst>
   <p:sldSz cx="9144000" cy="6858000" type="screen4x3"/>
   <p:notesSz cx="6858000" cy="9144000"/>
@@ -152,7 +149,7 @@
   </p:defaultTextStyle>
   <p:extLst>
     <p:ext uri="{EFAFB233-063F-42B5-8137-9DF3F51BA10A}">
-      <p15:sldGuideLst xmlns:p15="http://schemas.microsoft.com/office/powerpoint/2012/main" xmlns="">
+      <p15:sldGuideLst xmlns:p15="http://schemas.microsoft.com/office/powerpoint/2012/main">
         <p15:guide id="1" orient="horz" pos="2160">
           <p15:clr>
             <a:srgbClr val="A4A3A4"/>
@@ -251,7 +248,7 @@
           <a:p>
             <a:fld id="{3A43683B-EB99-4A4C-9A6B-5F8E87770196}" type="datetimeFigureOut">
               <a:rPr lang="en-IN" smtClean="0"/>
-              <a:t>23-02-2014</a:t>
+              <a:t>24-02-2014</a:t>
             </a:fld>
             <a:endParaRPr lang="en-IN"/>
           </a:p>
@@ -701,7 +698,7 @@
             <a:fld id="{6387E82B-AE28-474E-AA8E-1617D28166A0}" type="datetimeFigureOut">
               <a:rPr lang="en-US" smtClean="0"/>
               <a:pPr/>
-              <a:t>2/23/2014</a:t>
+              <a:t>2/24/2014</a:t>
             </a:fld>
             <a:endParaRPr lang="en-US"/>
           </a:p>
@@ -868,7 +865,7 @@
             <a:fld id="{6387E82B-AE28-474E-AA8E-1617D28166A0}" type="datetimeFigureOut">
               <a:rPr lang="en-US" smtClean="0"/>
               <a:pPr/>
-              <a:t>2/23/2014</a:t>
+              <a:t>2/24/2014</a:t>
             </a:fld>
             <a:endParaRPr lang="en-US"/>
           </a:p>
@@ -1045,7 +1042,7 @@
             <a:fld id="{6387E82B-AE28-474E-AA8E-1617D28166A0}" type="datetimeFigureOut">
               <a:rPr lang="en-US" smtClean="0"/>
               <a:pPr/>
-              <a:t>2/23/2014</a:t>
+              <a:t>2/24/2014</a:t>
             </a:fld>
             <a:endParaRPr lang="en-US"/>
           </a:p>
@@ -1212,7 +1209,7 @@
             <a:fld id="{6387E82B-AE28-474E-AA8E-1617D28166A0}" type="datetimeFigureOut">
               <a:rPr lang="en-US" smtClean="0"/>
               <a:pPr/>
-              <a:t>2/23/2014</a:t>
+              <a:t>2/24/2014</a:t>
             </a:fld>
             <a:endParaRPr lang="en-US"/>
           </a:p>
@@ -1455,7 +1452,7 @@
             <a:fld id="{6387E82B-AE28-474E-AA8E-1617D28166A0}" type="datetimeFigureOut">
               <a:rPr lang="en-US" smtClean="0"/>
               <a:pPr/>
-              <a:t>2/23/2014</a:t>
+              <a:t>2/24/2014</a:t>
             </a:fld>
             <a:endParaRPr lang="en-US"/>
           </a:p>
@@ -1740,7 +1737,7 @@
             <a:fld id="{6387E82B-AE28-474E-AA8E-1617D28166A0}" type="datetimeFigureOut">
               <a:rPr lang="en-US" smtClean="0"/>
               <a:pPr/>
-              <a:t>2/23/2014</a:t>
+              <a:t>2/24/2014</a:t>
             </a:fld>
             <a:endParaRPr lang="en-US"/>
           </a:p>
@@ -2159,7 +2156,7 @@
             <a:fld id="{6387E82B-AE28-474E-AA8E-1617D28166A0}" type="datetimeFigureOut">
               <a:rPr lang="en-US" smtClean="0"/>
               <a:pPr/>
-              <a:t>2/23/2014</a:t>
+              <a:t>2/24/2014</a:t>
             </a:fld>
             <a:endParaRPr lang="en-US"/>
           </a:p>
@@ -2274,7 +2271,7 @@
             <a:fld id="{6387E82B-AE28-474E-AA8E-1617D28166A0}" type="datetimeFigureOut">
               <a:rPr lang="en-US" smtClean="0"/>
               <a:pPr/>
-              <a:t>2/23/2014</a:t>
+              <a:t>2/24/2014</a:t>
             </a:fld>
             <a:endParaRPr lang="en-US"/>
           </a:p>
@@ -2366,7 +2363,7 @@
             <a:fld id="{6387E82B-AE28-474E-AA8E-1617D28166A0}" type="datetimeFigureOut">
               <a:rPr lang="en-US" smtClean="0"/>
               <a:pPr/>
-              <a:t>2/23/2014</a:t>
+              <a:t>2/24/2014</a:t>
             </a:fld>
             <a:endParaRPr lang="en-US"/>
           </a:p>
@@ -2640,7 +2637,7 @@
             <a:fld id="{6387E82B-AE28-474E-AA8E-1617D28166A0}" type="datetimeFigureOut">
               <a:rPr lang="en-US" smtClean="0"/>
               <a:pPr/>
-              <a:t>2/23/2014</a:t>
+              <a:t>2/24/2014</a:t>
             </a:fld>
             <a:endParaRPr lang="en-US"/>
           </a:p>
@@ -2890,7 +2887,7 @@
             <a:fld id="{6387E82B-AE28-474E-AA8E-1617D28166A0}" type="datetimeFigureOut">
               <a:rPr lang="en-US" smtClean="0"/>
               <a:pPr/>
-              <a:t>2/23/2014</a:t>
+              <a:t>2/24/2014</a:t>
             </a:fld>
             <a:endParaRPr lang="en-US"/>
           </a:p>
@@ -3110,7 +3107,7 @@
             <a:fld id="{6387E82B-AE28-474E-AA8E-1617D28166A0}" type="datetimeFigureOut">
               <a:rPr lang="en-US" smtClean="0"/>
               <a:pPr/>
-              <a:t>2/23/2014</a:t>
+              <a:t>2/24/2014</a:t>
             </a:fld>
             <a:endParaRPr lang="en-US"/>
           </a:p>
@@ -5602,36 +5599,6 @@
           <a:chExt cx="0" cy="0"/>
         </a:xfrm>
       </p:grpSpPr>
-      <p:pic>
-        <p:nvPicPr>
-          <p:cNvPr id="4" name="Picture 3"/>
-          <p:cNvPicPr>
-            <a:picLocks noChangeAspect="1"/>
-          </p:cNvPicPr>
-          <p:nvPr/>
-        </p:nvPicPr>
-        <p:blipFill>
-          <a:blip r:embed="rId2">
-            <a:extLst>
-              <a:ext uri="{28A0092B-C50C-407E-A947-70E740481C1C}">
-                <a14:useLocalDpi xmlns:a14="http://schemas.microsoft.com/office/drawing/2010/main" val="0"/>
-              </a:ext>
-            </a:extLst>
-          </a:blip>
-          <a:stretch>
-            <a:fillRect/>
-          </a:stretch>
-        </p:blipFill>
-        <p:spPr>
-          <a:xfrm>
-            <a:off x="954984" y="1700808"/>
-            <a:ext cx="3112960" cy="5010336"/>
-          </a:xfrm>
-          <a:prstGeom prst="rect">
-            <a:avLst/>
-          </a:prstGeom>
-        </p:spPr>
-      </p:pic>
       <p:sp>
         <p:nvSpPr>
           <p:cNvPr id="7" name="Rectangle 6"/>
@@ -5711,9 +5678,62 @@
           </a:p>
         </p:txBody>
       </p:sp>
+      <p:sp>
+        <p:nvSpPr>
+          <p:cNvPr id="9" name="Slide Number Placeholder 8"/>
+          <p:cNvSpPr>
+            <a:spLocks noGrp="1"/>
+          </p:cNvSpPr>
+          <p:nvPr>
+            <p:ph type="sldNum" sz="quarter" idx="12"/>
+          </p:nvPr>
+        </p:nvSpPr>
+        <p:spPr/>
+        <p:txBody>
+          <a:bodyPr/>
+          <a:lstStyle/>
+          <a:p>
+            <a:fld id="{4F08AF75-F6E9-44CF-B411-C1ED845122B8}" type="slidenum">
+              <a:rPr lang="en-IN" smtClean="0"/>
+              <a:t>20</a:t>
+            </a:fld>
+            <a:endParaRPr lang="en-IN"/>
+          </a:p>
+        </p:txBody>
+      </p:sp>
       <p:pic>
         <p:nvPicPr>
-          <p:cNvPr id="8" name="Picture 7"/>
+          <p:cNvPr id="2" name="Picture 1"/>
+          <p:cNvPicPr>
+            <a:picLocks noChangeAspect="1"/>
+          </p:cNvPicPr>
+          <p:nvPr/>
+        </p:nvPicPr>
+        <p:blipFill>
+          <a:blip r:embed="rId2">
+            <a:extLst>
+              <a:ext uri="{28A0092B-C50C-407E-A947-70E740481C1C}">
+                <a14:useLocalDpi xmlns:a14="http://schemas.microsoft.com/office/drawing/2010/main" val="0"/>
+              </a:ext>
+            </a:extLst>
+          </a:blip>
+          <a:stretch>
+            <a:fillRect/>
+          </a:stretch>
+        </p:blipFill>
+        <p:spPr>
+          <a:xfrm>
+            <a:off x="1127686" y="1828800"/>
+            <a:ext cx="2697845" cy="4504546"/>
+          </a:xfrm>
+          <a:prstGeom prst="rect">
+            <a:avLst/>
+          </a:prstGeom>
+        </p:spPr>
+      </p:pic>
+      <p:pic>
+        <p:nvPicPr>
+          <p:cNvPr id="3" name="Picture 2"/>
           <p:cNvPicPr>
             <a:picLocks noChangeAspect="1"/>
           </p:cNvPicPr>
@@ -5733,37 +5753,14 @@
         </p:blipFill>
         <p:spPr>
           <a:xfrm>
-            <a:off x="5076056" y="1700808"/>
-            <a:ext cx="2952328" cy="4876017"/>
+            <a:off x="5473943" y="1828800"/>
+            <a:ext cx="2690552" cy="4527550"/>
           </a:xfrm>
           <a:prstGeom prst="rect">
             <a:avLst/>
           </a:prstGeom>
         </p:spPr>
       </p:pic>
-      <p:sp>
-        <p:nvSpPr>
-          <p:cNvPr id="9" name="Slide Number Placeholder 8"/>
-          <p:cNvSpPr>
-            <a:spLocks noGrp="1"/>
-          </p:cNvSpPr>
-          <p:nvPr>
-            <p:ph type="sldNum" sz="quarter" idx="12"/>
-          </p:nvPr>
-        </p:nvSpPr>
-        <p:spPr/>
-        <p:txBody>
-          <a:bodyPr/>
-          <a:lstStyle/>
-          <a:p>
-            <a:fld id="{4F08AF75-F6E9-44CF-B411-C1ED845122B8}" type="slidenum">
-              <a:rPr lang="en-IN" smtClean="0"/>
-              <a:t>20</a:t>
-            </a:fld>
-            <a:endParaRPr lang="en-IN"/>
-          </a:p>
-        </p:txBody>
-      </p:sp>
     </p:spTree>
     <p:extLst>
       <p:ext uri="{BB962C8B-B14F-4D97-AF65-F5344CB8AC3E}">
@@ -5801,9 +5798,32 @@
           <a:chExt cx="0" cy="0"/>
         </a:xfrm>
       </p:grpSpPr>
+      <p:sp>
+        <p:nvSpPr>
+          <p:cNvPr id="6" name="Slide Number Placeholder 5"/>
+          <p:cNvSpPr>
+            <a:spLocks noGrp="1"/>
+          </p:cNvSpPr>
+          <p:nvPr>
+            <p:ph type="sldNum" sz="quarter" idx="12"/>
+          </p:nvPr>
+        </p:nvSpPr>
+        <p:spPr/>
+        <p:txBody>
+          <a:bodyPr/>
+          <a:lstStyle/>
+          <a:p>
+            <a:fld id="{4F08AF75-F6E9-44CF-B411-C1ED845122B8}" type="slidenum">
+              <a:rPr lang="en-IN" smtClean="0"/>
+              <a:t>21</a:t>
+            </a:fld>
+            <a:endParaRPr lang="en-IN"/>
+          </a:p>
+        </p:txBody>
+      </p:sp>
       <p:pic>
         <p:nvPicPr>
-          <p:cNvPr id="4" name="Picture 3"/>
+          <p:cNvPr id="2" name="Picture 1"/>
           <p:cNvPicPr>
             <a:picLocks noChangeAspect="1"/>
           </p:cNvPicPr>
@@ -5823,8 +5843,8 @@
         </p:blipFill>
         <p:spPr>
           <a:xfrm>
-            <a:off x="467544" y="476671"/>
-            <a:ext cx="3600400" cy="5727909"/>
+            <a:off x="685800" y="620786"/>
+            <a:ext cx="3307367" cy="5616427"/>
           </a:xfrm>
           <a:prstGeom prst="rect">
             <a:avLst/>
@@ -5833,7 +5853,7 @@
       </p:pic>
       <p:pic>
         <p:nvPicPr>
-          <p:cNvPr id="5" name="Picture 4"/>
+          <p:cNvPr id="3" name="Picture 2"/>
           <p:cNvPicPr>
             <a:picLocks noChangeAspect="1"/>
           </p:cNvPicPr>
@@ -5853,37 +5873,14 @@
         </p:blipFill>
         <p:spPr>
           <a:xfrm>
-            <a:off x="5057724" y="522680"/>
-            <a:ext cx="3618732" cy="5681900"/>
+            <a:off x="4888085" y="596344"/>
+            <a:ext cx="3330229" cy="5639289"/>
           </a:xfrm>
           <a:prstGeom prst="rect">
             <a:avLst/>
           </a:prstGeom>
         </p:spPr>
       </p:pic>
-      <p:sp>
-        <p:nvSpPr>
-          <p:cNvPr id="6" name="Slide Number Placeholder 5"/>
-          <p:cNvSpPr>
-            <a:spLocks noGrp="1"/>
-          </p:cNvSpPr>
-          <p:nvPr>
-            <p:ph type="sldNum" sz="quarter" idx="12"/>
-          </p:nvPr>
-        </p:nvSpPr>
-        <p:spPr/>
-        <p:txBody>
-          <a:bodyPr/>
-          <a:lstStyle/>
-          <a:p>
-            <a:fld id="{4F08AF75-F6E9-44CF-B411-C1ED845122B8}" type="slidenum">
-              <a:rPr lang="en-IN" smtClean="0"/>
-              <a:t>21</a:t>
-            </a:fld>
-            <a:endParaRPr lang="en-IN"/>
-          </a:p>
-        </p:txBody>
-      </p:sp>
     </p:spTree>
     <p:extLst>
       <p:ext uri="{BB962C8B-B14F-4D97-AF65-F5344CB8AC3E}">
@@ -7632,31 +7629,6 @@
               </a:rPr>
               <a:t>RISKS</a:t>
             </a:r>
-            <a:endParaRPr lang="en-IN" sz="5400" dirty="0">
-              <a:ln w="0"/>
-              <a:gradFill>
-                <a:gsLst>
-                  <a:gs pos="0">
-                    <a:schemeClr val="accent5">
-                      <a:lumMod val="50000"/>
-                    </a:schemeClr>
-                  </a:gs>
-                  <a:gs pos="50000">
-                    <a:schemeClr val="accent5"/>
-                  </a:gs>
-                  <a:gs pos="100000">
-                    <a:schemeClr val="accent5">
-                      <a:lumMod val="60000"/>
-                      <a:lumOff val="40000"/>
-                    </a:schemeClr>
-                  </a:gs>
-                </a:gsLst>
-                <a:lin ang="5400000"/>
-              </a:gradFill>
-              <a:effectLst>
-                <a:reflection blurRad="6350" stA="53000" endA="300" endPos="35500" dir="5400000" sy="-90000" algn="bl" rotWithShape="0"/>
-              </a:effectLst>
-            </a:endParaRPr>
           </a:p>
         </p:txBody>
       </p:sp>
@@ -8691,25 +8663,6 @@
           <a:chExt cx="0" cy="0"/>
         </a:xfrm>
       </p:grpSpPr>
-      <p:sp>
-        <p:nvSpPr>
-          <p:cNvPr id="2" name="Title 1"/>
-          <p:cNvSpPr>
-            <a:spLocks noGrp="1"/>
-          </p:cNvSpPr>
-          <p:nvPr>
-            <p:ph type="title"/>
-          </p:nvPr>
-        </p:nvSpPr>
-        <p:spPr/>
-        <p:txBody>
-          <a:bodyPr/>
-          <a:lstStyle/>
-          <a:p>
-            <a:endParaRPr lang="en-IN" dirty="0"/>
-          </a:p>
-        </p:txBody>
-      </p:sp>
       <p:sp>
         <p:nvSpPr>
           <p:cNvPr id="3" name="Content Placeholder 2"/>
@@ -9301,7 +9254,6 @@
               <a:rPr lang="en-US" dirty="0"/>
               <a:t>PLANNED &amp; ACHIEVED</a:t>
             </a:r>
-            <a:endParaRPr lang="en-US" dirty="0"/>
           </a:p>
         </p:txBody>
       </p:sp>
@@ -10111,11 +10063,7 @@
           <a:p>
             <a:r>
               <a:rPr lang="en-US" dirty="0" smtClean="0"/>
-              <a:t>TUTORIALS</a:t>
-            </a:r>
-            <a:r>
-              <a:rPr lang="en-US" dirty="0" smtClean="0"/>
-              <a:t>	</a:t>
+              <a:t>TUTORIALS	</a:t>
             </a:r>
             <a:br>
               <a:rPr lang="en-US" dirty="0" smtClean="0"/>
@@ -10289,11 +10237,7 @@
           <a:p>
             <a:r>
               <a:rPr lang="en-US" dirty="0" smtClean="0"/>
-              <a:t>Facebook </a:t>
-            </a:r>
-            <a:r>
-              <a:rPr lang="en-US" dirty="0" smtClean="0"/>
-              <a:t>connectivity</a:t>
+              <a:t>Facebook connectivity</a:t>
             </a:r>
           </a:p>
           <a:p>
@@ -10377,25 +10321,156 @@
           </a:p>
         </p:txBody>
       </p:sp>
-      <p:sp>
-        <p:nvSpPr>
-          <p:cNvPr id="3" name="Content Placeholder 2"/>
-          <p:cNvSpPr>
-            <a:spLocks noGrp="1"/>
-          </p:cNvSpPr>
-          <p:nvPr>
-            <p:ph idx="1"/>
-          </p:nvPr>
-        </p:nvSpPr>
-        <p:spPr/>
-        <p:txBody>
-          <a:bodyPr/>
-          <a:lstStyle/>
-          <a:p>
-            <a:endParaRPr lang="en-US" dirty="0"/>
-          </a:p>
-        </p:txBody>
-      </p:sp>
+      <p:pic>
+        <p:nvPicPr>
+          <p:cNvPr id="4" name="Picture 3"/>
+          <p:cNvPicPr>
+            <a:picLocks noChangeAspect="1"/>
+          </p:cNvPicPr>
+          <p:nvPr/>
+        </p:nvPicPr>
+        <p:blipFill>
+          <a:blip r:embed="rId2">
+            <a:extLst>
+              <a:ext uri="{28A0092B-C50C-407E-A947-70E740481C1C}">
+                <a14:useLocalDpi xmlns:a14="http://schemas.microsoft.com/office/drawing/2010/main" val="0"/>
+              </a:ext>
+            </a:extLst>
+          </a:blip>
+          <a:stretch>
+            <a:fillRect/>
+          </a:stretch>
+        </p:blipFill>
+        <p:spPr>
+          <a:xfrm>
+            <a:off x="1878785" y="3071613"/>
+            <a:ext cx="2236015" cy="3786387"/>
+          </a:xfrm>
+          <a:prstGeom prst="rect">
+            <a:avLst/>
+          </a:prstGeom>
+        </p:spPr>
+      </p:pic>
+      <p:pic>
+        <p:nvPicPr>
+          <p:cNvPr id="5" name="Picture 4"/>
+          <p:cNvPicPr>
+            <a:picLocks noChangeAspect="1"/>
+          </p:cNvPicPr>
+          <p:nvPr/>
+        </p:nvPicPr>
+        <p:blipFill>
+          <a:blip r:embed="rId3">
+            <a:extLst>
+              <a:ext uri="{28A0092B-C50C-407E-A947-70E740481C1C}">
+                <a14:useLocalDpi xmlns:a14="http://schemas.microsoft.com/office/drawing/2010/main" val="0"/>
+              </a:ext>
+            </a:extLst>
+          </a:blip>
+          <a:stretch>
+            <a:fillRect/>
+          </a:stretch>
+        </p:blipFill>
+        <p:spPr>
+          <a:xfrm>
+            <a:off x="3692017" y="1143000"/>
+            <a:ext cx="1870583" cy="3176542"/>
+          </a:xfrm>
+          <a:prstGeom prst="rect">
+            <a:avLst/>
+          </a:prstGeom>
+        </p:spPr>
+      </p:pic>
+      <p:pic>
+        <p:nvPicPr>
+          <p:cNvPr id="6" name="Picture 5"/>
+          <p:cNvPicPr>
+            <a:picLocks noChangeAspect="1"/>
+          </p:cNvPicPr>
+          <p:nvPr/>
+        </p:nvPicPr>
+        <p:blipFill>
+          <a:blip r:embed="rId4">
+            <a:extLst>
+              <a:ext uri="{28A0092B-C50C-407E-A947-70E740481C1C}">
+                <a14:useLocalDpi xmlns:a14="http://schemas.microsoft.com/office/drawing/2010/main" val="0"/>
+              </a:ext>
+            </a:extLst>
+          </a:blip>
+          <a:stretch>
+            <a:fillRect/>
+          </a:stretch>
+        </p:blipFill>
+        <p:spPr>
+          <a:xfrm>
+            <a:off x="7064408" y="1143000"/>
+            <a:ext cx="1927192" cy="3242999"/>
+          </a:xfrm>
+          <a:prstGeom prst="rect">
+            <a:avLst/>
+          </a:prstGeom>
+        </p:spPr>
+      </p:pic>
+      <p:pic>
+        <p:nvPicPr>
+          <p:cNvPr id="7" name="Picture 6"/>
+          <p:cNvPicPr>
+            <a:picLocks noChangeAspect="1"/>
+          </p:cNvPicPr>
+          <p:nvPr/>
+        </p:nvPicPr>
+        <p:blipFill>
+          <a:blip r:embed="rId5">
+            <a:extLst>
+              <a:ext uri="{28A0092B-C50C-407E-A947-70E740481C1C}">
+                <a14:useLocalDpi xmlns:a14="http://schemas.microsoft.com/office/drawing/2010/main" val="0"/>
+              </a:ext>
+            </a:extLst>
+          </a:blip>
+          <a:stretch>
+            <a:fillRect/>
+          </a:stretch>
+        </p:blipFill>
+        <p:spPr>
+          <a:xfrm>
+            <a:off x="175236" y="1219200"/>
+            <a:ext cx="1932149" cy="3226076"/>
+          </a:xfrm>
+          <a:prstGeom prst="rect">
+            <a:avLst/>
+          </a:prstGeom>
+        </p:spPr>
+      </p:pic>
+      <p:pic>
+        <p:nvPicPr>
+          <p:cNvPr id="8" name="Picture 7"/>
+          <p:cNvPicPr>
+            <a:picLocks noChangeAspect="1"/>
+          </p:cNvPicPr>
+          <p:nvPr/>
+        </p:nvPicPr>
+        <p:blipFill>
+          <a:blip r:embed="rId6" cstate="print">
+            <a:extLst>
+              <a:ext uri="{28A0092B-C50C-407E-A947-70E740481C1C}">
+                <a14:useLocalDpi xmlns:a14="http://schemas.microsoft.com/office/drawing/2010/main" val="0"/>
+              </a:ext>
+            </a:extLst>
+          </a:blip>
+          <a:stretch>
+            <a:fillRect/>
+          </a:stretch>
+        </p:blipFill>
+        <p:spPr>
+          <a:xfrm>
+            <a:off x="5410200" y="3025895"/>
+            <a:ext cx="2253543" cy="3755905"/>
+          </a:xfrm>
+          <a:prstGeom prst="rect">
+            <a:avLst/>
+          </a:prstGeom>
+        </p:spPr>
+      </p:pic>
     </p:spTree>
   </p:cSld>
   <p:clrMapOvr>
@@ -10437,10 +10512,10 @@
           <a:lstStyle/>
           <a:p>
             <a:r>
-              <a:rPr lang="en-US" dirty="0" smtClean="0"/>
-              <a:t>Screen Shots</a:t>
-            </a:r>
-            <a:endParaRPr lang="en-US" dirty="0"/>
+              <a:rPr lang="en-IN" b="1" dirty="0" smtClean="0"/>
+              <a:t>SENSORS</a:t>
+            </a:r>
+            <a:endParaRPr lang="en-IN" b="1" dirty="0"/>
           </a:p>
         </p:txBody>
       </p:sp>
@@ -10459,11 +10534,73 @@
           <a:bodyPr/>
           <a:lstStyle/>
           <a:p>
-            <a:endParaRPr lang="en-US" dirty="0"/>
+            <a:pPr lvl="0"/>
+            <a:endParaRPr lang="en-US" dirty="0" smtClean="0"/>
+          </a:p>
+          <a:p>
+            <a:pPr lvl="0"/>
+            <a:r>
+              <a:rPr lang="en-US" dirty="0" smtClean="0"/>
+              <a:t>Accelerometer(X- </a:t>
+            </a:r>
+            <a:r>
+              <a:rPr lang="en-US" dirty="0"/>
+              <a:t>Axis, Y- </a:t>
+            </a:r>
+            <a:r>
+              <a:rPr lang="en-US" dirty="0" smtClean="0"/>
+              <a:t>Axis, </a:t>
+            </a:r>
+            <a:r>
+              <a:rPr lang="en-US" dirty="0"/>
+              <a:t>Z- </a:t>
+            </a:r>
+            <a:r>
+              <a:rPr lang="en-US" dirty="0" smtClean="0"/>
+              <a:t>Axis)</a:t>
+            </a:r>
+          </a:p>
+          <a:p>
+            <a:pPr lvl="0"/>
+            <a:r>
+              <a:rPr lang="en-US" dirty="0" smtClean="0"/>
+              <a:t>Orientation – Compass - </a:t>
+            </a:r>
+            <a:r>
+              <a:rPr lang="en-US" dirty="0"/>
+              <a:t>Azimuth (Degree)</a:t>
+            </a:r>
+            <a:r>
+              <a:rPr lang="en-US" dirty="0" smtClean="0"/>
+              <a:t> </a:t>
+            </a:r>
+          </a:p>
+          <a:p>
+            <a:pPr lvl="0"/>
+            <a:r>
+              <a:rPr lang="en-US" dirty="0" smtClean="0"/>
+              <a:t>GPS - </a:t>
+            </a:r>
+            <a:r>
+              <a:rPr lang="en-US" dirty="0"/>
+              <a:t>Latitude and Longitude</a:t>
+            </a:r>
+            <a:endParaRPr lang="en-IN" dirty="0"/>
+          </a:p>
+          <a:p>
+            <a:pPr marL="0" indent="0">
+              <a:buNone/>
+            </a:pPr>
+            <a:endParaRPr lang="en-IN" dirty="0"/>
           </a:p>
         </p:txBody>
       </p:sp>
     </p:spTree>
+    <p:extLst>
+      <p:ext uri="{BB962C8B-B14F-4D97-AF65-F5344CB8AC3E}">
+        <p14:creationId xmlns:p14="http://schemas.microsoft.com/office/powerpoint/2010/main" val="689732697"/>
+      </p:ext>
+    </p:extLst>
   </p:cSld>
   <p:clrMapOvr>
     <a:masterClrMapping/>
@@ -10498,20 +10635,113 @@
             <p:ph type="title"/>
           </p:nvPr>
         </p:nvSpPr>
+        <p:spPr>
+          <a:xfrm>
+            <a:off x="457200" y="533400"/>
+            <a:ext cx="8229600" cy="1143000"/>
+          </a:xfrm>
+        </p:spPr>
+        <p:txBody>
+          <a:bodyPr>
+            <a:normAutofit fontScale="90000"/>
+          </a:bodyPr>
+          <a:lstStyle/>
+          <a:p>
+            <a:r>
+              <a:rPr lang="en-US" b="1" dirty="0"/>
+              <a:t>STEPS INVOLVED IN RETRIEVING THE DATA FROM THE SENSORS</a:t>
+            </a:r>
+            <a:r>
+              <a:rPr lang="en-US" dirty="0"/>
+              <a:t>:-</a:t>
+            </a:r>
+            <a:r>
+              <a:rPr lang="en-IN" dirty="0"/>
+              <a:t/>
+            </a:r>
+            <a:br>
+              <a:rPr lang="en-IN" dirty="0"/>
+            </a:br>
+            <a:endParaRPr lang="en-IN" dirty="0"/>
+          </a:p>
+        </p:txBody>
+      </p:sp>
+      <p:sp>
+        <p:nvSpPr>
+          <p:cNvPr id="3" name="Content Placeholder 2"/>
+          <p:cNvSpPr>
+            <a:spLocks noGrp="1"/>
+          </p:cNvSpPr>
+          <p:nvPr>
+            <p:ph idx="1"/>
+          </p:nvPr>
+        </p:nvSpPr>
         <p:spPr/>
         <p:txBody>
           <a:bodyPr/>
           <a:lstStyle/>
           <a:p>
+            <a:pPr lvl="0"/>
+            <a:endParaRPr lang="en-US" b="1" dirty="0" smtClean="0"/>
+          </a:p>
+          <a:p>
+            <a:pPr lvl="0"/>
             <a:r>
               <a:rPr lang="en-US" dirty="0" smtClean="0"/>
-              <a:t>Screen Shots</a:t>
-            </a:r>
-            <a:endParaRPr lang="en-US" dirty="0"/>
+              <a:t>Obtain </a:t>
+            </a:r>
+            <a:r>
+              <a:rPr lang="en-US" dirty="0"/>
+              <a:t>a Sensor Manager/ Location Manager</a:t>
+            </a:r>
+            <a:r>
+              <a:rPr lang="en-US" dirty="0" smtClean="0"/>
+              <a:t>.</a:t>
+            </a:r>
+            <a:endParaRPr lang="en-IN" dirty="0"/>
+          </a:p>
+          <a:p>
+            <a:r>
+              <a:rPr lang="en-US" dirty="0"/>
+              <a:t>Register a Sensor Event listener/ Location listener for each of the above sensor types. </a:t>
+            </a:r>
+            <a:endParaRPr lang="en-US" dirty="0" smtClean="0"/>
+          </a:p>
+          <a:p>
+            <a:pPr lvl="0"/>
+            <a:r>
+              <a:rPr lang="en-US" dirty="0"/>
+              <a:t>Implement  </a:t>
+            </a:r>
+            <a:r>
+              <a:rPr lang="en-US" dirty="0" err="1" smtClean="0"/>
+              <a:t>SensorEventListener</a:t>
+            </a:r>
+            <a:r>
+              <a:rPr lang="en-US" dirty="0" smtClean="0"/>
+              <a:t> ( 2 Methods)/ </a:t>
+            </a:r>
+            <a:r>
+              <a:rPr lang="en-US" dirty="0" err="1" smtClean="0"/>
+              <a:t>LocationListener</a:t>
+            </a:r>
+            <a:r>
+              <a:rPr lang="en-US" dirty="0" smtClean="0"/>
+              <a:t> class (4 Methods).</a:t>
+            </a:r>
+            <a:endParaRPr lang="en-IN" dirty="0"/>
+          </a:p>
+          <a:p>
+            <a:endParaRPr lang="en-IN" dirty="0"/>
           </a:p>
         </p:txBody>
       </p:sp>
     </p:spTree>
+    <p:extLst>
+      <p:ext uri="{BB962C8B-B14F-4D97-AF65-F5344CB8AC3E}">
+        <p14:creationId xmlns:p14="http://schemas.microsoft.com/office/powerpoint/2010/main" val="509457109"/>
+      </p:ext>
+    </p:extLst>
   </p:cSld>
   <p:clrMapOvr>
     <a:masterClrMapping/>
@@ -10672,9 +10902,52 @@
           <a:p>
             <a:r>
               <a:rPr lang="en-US" dirty="0" smtClean="0"/>
-              <a:t>Screen Shots</a:t>
-            </a:r>
-            <a:endParaRPr lang="en-US" dirty="0"/>
+              <a:t> ITERATION-2 </a:t>
+            </a:r>
+            <a:r>
+              <a:rPr lang="en-US" dirty="0"/>
+              <a:t>PLAN</a:t>
+            </a:r>
+          </a:p>
+        </p:txBody>
+      </p:sp>
+      <p:sp>
+        <p:nvSpPr>
+          <p:cNvPr id="3" name="Content Placeholder 2"/>
+          <p:cNvSpPr>
+            <a:spLocks noGrp="1"/>
+          </p:cNvSpPr>
+          <p:nvPr>
+            <p:ph idx="1"/>
+          </p:nvPr>
+        </p:nvSpPr>
+        <p:spPr/>
+        <p:txBody>
+          <a:bodyPr/>
+          <a:lstStyle/>
+          <a:p>
+            <a:r>
+              <a:rPr lang="en-US" dirty="0" smtClean="0"/>
+              <a:t>We Will introduce categories in building </a:t>
+            </a:r>
+          </a:p>
+          <a:p>
+            <a:r>
+              <a:rPr lang="en-US" dirty="0" smtClean="0"/>
+              <a:t>Categories could be differentiated according to Engineering, Management, Life sciences etc.</a:t>
+            </a:r>
+          </a:p>
+          <a:p>
+            <a:r>
+              <a:rPr lang="en-US" dirty="0" smtClean="0"/>
+              <a:t>Also the find friend part of the application will be introduced</a:t>
+            </a:r>
+          </a:p>
+          <a:p>
+            <a:r>
+              <a:rPr lang="en-US" dirty="0" smtClean="0"/>
+              <a:t>Furthermore, work will be done in order to make the application interactive.</a:t>
+            </a:r>
           </a:p>
         </p:txBody>
       </p:sp>
@@ -10687,368 +10960,6 @@
 </file>
 
 <file path=ppt/slides/slide41.xml><?xml version="1.0" encoding="utf-8"?>
-<p:sld xmlns:a="http://schemas.openxmlformats.org/drawingml/2006/main" xmlns:r="http://schemas.openxmlformats.org/officeDocument/2006/relationships" xmlns:p="http://schemas.openxmlformats.org/presentationml/2006/main">
-  <p:cSld>
-    <p:spTree>
-      <p:nvGrpSpPr>
-        <p:cNvPr id="1" name=""/>
-        <p:cNvGrpSpPr/>
-        <p:nvPr/>
-      </p:nvGrpSpPr>
-      <p:grpSpPr>
-        <a:xfrm>
-          <a:off x="0" y="0"/>
-          <a:ext cx="0" cy="0"/>
-          <a:chOff x="0" y="0"/>
-          <a:chExt cx="0" cy="0"/>
-        </a:xfrm>
-      </p:grpSpPr>
-      <p:sp>
-        <p:nvSpPr>
-          <p:cNvPr id="2" name="Title 1"/>
-          <p:cNvSpPr>
-            <a:spLocks noGrp="1"/>
-          </p:cNvSpPr>
-          <p:nvPr>
-            <p:ph type="title"/>
-          </p:nvPr>
-        </p:nvSpPr>
-        <p:spPr/>
-        <p:txBody>
-          <a:bodyPr/>
-          <a:lstStyle/>
-          <a:p>
-            <a:r>
-              <a:rPr lang="en-IN" b="1" dirty="0" smtClean="0"/>
-              <a:t>SENSORS</a:t>
-            </a:r>
-            <a:endParaRPr lang="en-IN" b="1" dirty="0"/>
-          </a:p>
-        </p:txBody>
-      </p:sp>
-      <p:sp>
-        <p:nvSpPr>
-          <p:cNvPr id="3" name="Content Placeholder 2"/>
-          <p:cNvSpPr>
-            <a:spLocks noGrp="1"/>
-          </p:cNvSpPr>
-          <p:nvPr>
-            <p:ph idx="1"/>
-          </p:nvPr>
-        </p:nvSpPr>
-        <p:spPr/>
-        <p:txBody>
-          <a:bodyPr/>
-          <a:lstStyle/>
-          <a:p>
-            <a:pPr lvl="0"/>
-            <a:endParaRPr lang="en-US" dirty="0" smtClean="0"/>
-          </a:p>
-          <a:p>
-            <a:pPr lvl="0"/>
-            <a:r>
-              <a:rPr lang="en-US" dirty="0" smtClean="0"/>
-              <a:t>Accelerometer(X- </a:t>
-            </a:r>
-            <a:r>
-              <a:rPr lang="en-US" dirty="0"/>
-              <a:t>Axis, Y- </a:t>
-            </a:r>
-            <a:r>
-              <a:rPr lang="en-US" dirty="0" smtClean="0"/>
-              <a:t>Axis, </a:t>
-            </a:r>
-            <a:r>
-              <a:rPr lang="en-US" dirty="0"/>
-              <a:t>Z- </a:t>
-            </a:r>
-            <a:r>
-              <a:rPr lang="en-US" dirty="0" smtClean="0"/>
-              <a:t>Axis)</a:t>
-            </a:r>
-          </a:p>
-          <a:p>
-            <a:pPr lvl="0"/>
-            <a:r>
-              <a:rPr lang="en-US" dirty="0" smtClean="0"/>
-              <a:t>Orientation – Compass - </a:t>
-            </a:r>
-            <a:r>
-              <a:rPr lang="en-US" dirty="0"/>
-              <a:t>Azimuth (Degree)</a:t>
-            </a:r>
-            <a:r>
-              <a:rPr lang="en-US" dirty="0" smtClean="0"/>
-              <a:t> </a:t>
-            </a:r>
-          </a:p>
-          <a:p>
-            <a:pPr lvl="0"/>
-            <a:r>
-              <a:rPr lang="en-US" dirty="0" smtClean="0"/>
-              <a:t>GPS - </a:t>
-            </a:r>
-            <a:r>
-              <a:rPr lang="en-US" dirty="0"/>
-              <a:t>Latitude and Longitude</a:t>
-            </a:r>
-            <a:endParaRPr lang="en-IN" dirty="0"/>
-          </a:p>
-          <a:p>
-            <a:pPr marL="0" indent="0">
-              <a:buNone/>
-            </a:pPr>
-            <a:endParaRPr lang="en-IN" dirty="0"/>
-          </a:p>
-        </p:txBody>
-      </p:sp>
-    </p:spTree>
-    <p:extLst>
-      <p:ext uri="{BB962C8B-B14F-4D97-AF65-F5344CB8AC3E}">
-        <p14:creationId xmlns:p14="http://schemas.microsoft.com/office/powerpoint/2010/main" val="689732697"/>
-      </p:ext>
-    </p:extLst>
-  </p:cSld>
-  <p:clrMapOvr>
-    <a:masterClrMapping/>
-  </p:clrMapOvr>
-</p:sld>
-</file>
-
-<file path=ppt/slides/slide42.xml><?xml version="1.0" encoding="utf-8"?>
-<p:sld xmlns:a="http://schemas.openxmlformats.org/drawingml/2006/main" xmlns:r="http://schemas.openxmlformats.org/officeDocument/2006/relationships" xmlns:p="http://schemas.openxmlformats.org/presentationml/2006/main">
-  <p:cSld>
-    <p:spTree>
-      <p:nvGrpSpPr>
-        <p:cNvPr id="1" name=""/>
-        <p:cNvGrpSpPr/>
-        <p:nvPr/>
-      </p:nvGrpSpPr>
-      <p:grpSpPr>
-        <a:xfrm>
-          <a:off x="0" y="0"/>
-          <a:ext cx="0" cy="0"/>
-          <a:chOff x="0" y="0"/>
-          <a:chExt cx="0" cy="0"/>
-        </a:xfrm>
-      </p:grpSpPr>
-      <p:sp>
-        <p:nvSpPr>
-          <p:cNvPr id="2" name="Title 1"/>
-          <p:cNvSpPr>
-            <a:spLocks noGrp="1"/>
-          </p:cNvSpPr>
-          <p:nvPr>
-            <p:ph type="title"/>
-          </p:nvPr>
-        </p:nvSpPr>
-        <p:spPr>
-          <a:xfrm>
-            <a:off x="457200" y="533400"/>
-            <a:ext cx="8229600" cy="1143000"/>
-          </a:xfrm>
-        </p:spPr>
-        <p:txBody>
-          <a:bodyPr>
-            <a:normAutofit fontScale="90000"/>
-          </a:bodyPr>
-          <a:lstStyle/>
-          <a:p>
-            <a:r>
-              <a:rPr lang="en-US" b="1" dirty="0"/>
-              <a:t>STEPS INVOLVED IN RETRIEVING THE DATA FROM THE SENSORS</a:t>
-            </a:r>
-            <a:r>
-              <a:rPr lang="en-US" dirty="0"/>
-              <a:t>:-</a:t>
-            </a:r>
-            <a:r>
-              <a:rPr lang="en-IN" dirty="0"/>
-              <a:t/>
-            </a:r>
-            <a:br>
-              <a:rPr lang="en-IN" dirty="0"/>
-            </a:br>
-            <a:endParaRPr lang="en-IN" dirty="0"/>
-          </a:p>
-        </p:txBody>
-      </p:sp>
-      <p:sp>
-        <p:nvSpPr>
-          <p:cNvPr id="3" name="Content Placeholder 2"/>
-          <p:cNvSpPr>
-            <a:spLocks noGrp="1"/>
-          </p:cNvSpPr>
-          <p:nvPr>
-            <p:ph idx="1"/>
-          </p:nvPr>
-        </p:nvSpPr>
-        <p:spPr/>
-        <p:txBody>
-          <a:bodyPr/>
-          <a:lstStyle/>
-          <a:p>
-            <a:pPr lvl="0"/>
-            <a:endParaRPr lang="en-US" b="1" dirty="0" smtClean="0"/>
-          </a:p>
-          <a:p>
-            <a:pPr lvl="0"/>
-            <a:r>
-              <a:rPr lang="en-US" dirty="0" smtClean="0"/>
-              <a:t>Obtain </a:t>
-            </a:r>
-            <a:r>
-              <a:rPr lang="en-US" dirty="0"/>
-              <a:t>a Sensor Manager/ Location Manager</a:t>
-            </a:r>
-            <a:r>
-              <a:rPr lang="en-US" dirty="0" smtClean="0"/>
-              <a:t>.</a:t>
-            </a:r>
-            <a:endParaRPr lang="en-IN" dirty="0"/>
-          </a:p>
-          <a:p>
-            <a:r>
-              <a:rPr lang="en-US" dirty="0"/>
-              <a:t>Register a Sensor Event listener/ Location listener for each of the above sensor types. </a:t>
-            </a:r>
-            <a:endParaRPr lang="en-US" dirty="0" smtClean="0"/>
-          </a:p>
-          <a:p>
-            <a:pPr lvl="0"/>
-            <a:r>
-              <a:rPr lang="en-US" dirty="0"/>
-              <a:t>Implement  </a:t>
-            </a:r>
-            <a:r>
-              <a:rPr lang="en-US" dirty="0" err="1" smtClean="0"/>
-              <a:t>SensorEventListener</a:t>
-            </a:r>
-            <a:r>
-              <a:rPr lang="en-US" dirty="0" smtClean="0"/>
-              <a:t> ( 2 Methods)/ </a:t>
-            </a:r>
-            <a:r>
-              <a:rPr lang="en-US" dirty="0" err="1" smtClean="0"/>
-              <a:t>LocationListener</a:t>
-            </a:r>
-            <a:r>
-              <a:rPr lang="en-US" dirty="0" smtClean="0"/>
-              <a:t> class (4 Methods).</a:t>
-            </a:r>
-            <a:endParaRPr lang="en-IN" dirty="0"/>
-          </a:p>
-          <a:p>
-            <a:endParaRPr lang="en-IN" dirty="0"/>
-          </a:p>
-        </p:txBody>
-      </p:sp>
-    </p:spTree>
-    <p:extLst>
-      <p:ext uri="{BB962C8B-B14F-4D97-AF65-F5344CB8AC3E}">
-        <p14:creationId xmlns:p14="http://schemas.microsoft.com/office/powerpoint/2010/main" val="509457109"/>
-      </p:ext>
-    </p:extLst>
-  </p:cSld>
-  <p:clrMapOvr>
-    <a:masterClrMapping/>
-  </p:clrMapOvr>
-</p:sld>
-</file>
-
-<file path=ppt/slides/slide43.xml><?xml version="1.0" encoding="utf-8"?>
-<p:sld xmlns:a="http://schemas.openxmlformats.org/drawingml/2006/main" xmlns:r="http://schemas.openxmlformats.org/officeDocument/2006/relationships" xmlns:p="http://schemas.openxmlformats.org/presentationml/2006/main">
-  <p:cSld>
-    <p:spTree>
-      <p:nvGrpSpPr>
-        <p:cNvPr id="1" name=""/>
-        <p:cNvGrpSpPr/>
-        <p:nvPr/>
-      </p:nvGrpSpPr>
-      <p:grpSpPr>
-        <a:xfrm>
-          <a:off x="0" y="0"/>
-          <a:ext cx="0" cy="0"/>
-          <a:chOff x="0" y="0"/>
-          <a:chExt cx="0" cy="0"/>
-        </a:xfrm>
-      </p:grpSpPr>
-      <p:sp>
-        <p:nvSpPr>
-          <p:cNvPr id="2" name="Title 1"/>
-          <p:cNvSpPr>
-            <a:spLocks noGrp="1"/>
-          </p:cNvSpPr>
-          <p:nvPr>
-            <p:ph type="title"/>
-          </p:nvPr>
-        </p:nvSpPr>
-        <p:spPr/>
-        <p:txBody>
-          <a:bodyPr/>
-          <a:lstStyle/>
-          <a:p>
-            <a:r>
-              <a:rPr lang="en-US" dirty="0" smtClean="0"/>
-              <a:t> ITERATION-2 </a:t>
-            </a:r>
-            <a:r>
-              <a:rPr lang="en-US" dirty="0"/>
-              <a:t>PLAN</a:t>
-            </a:r>
-            <a:endParaRPr lang="en-US" dirty="0"/>
-          </a:p>
-        </p:txBody>
-      </p:sp>
-      <p:sp>
-        <p:nvSpPr>
-          <p:cNvPr id="3" name="Content Placeholder 2"/>
-          <p:cNvSpPr>
-            <a:spLocks noGrp="1"/>
-          </p:cNvSpPr>
-          <p:nvPr>
-            <p:ph idx="1"/>
-          </p:nvPr>
-        </p:nvSpPr>
-        <p:spPr/>
-        <p:txBody>
-          <a:bodyPr/>
-          <a:lstStyle/>
-          <a:p>
-            <a:r>
-              <a:rPr lang="en-US" dirty="0" smtClean="0"/>
-              <a:t>We Will introduce categories in building </a:t>
-            </a:r>
-          </a:p>
-          <a:p>
-            <a:r>
-              <a:rPr lang="en-US" dirty="0" smtClean="0"/>
-              <a:t>Categories could be differentiated according to Engineering, Management, Life sciences etc.</a:t>
-            </a:r>
-          </a:p>
-          <a:p>
-            <a:r>
-              <a:rPr lang="en-US" dirty="0" smtClean="0"/>
-              <a:t>Also the find friend part of the application will be introduced</a:t>
-            </a:r>
-          </a:p>
-          <a:p>
-            <a:r>
-              <a:rPr lang="en-US" dirty="0" smtClean="0"/>
-              <a:t>Furthermore, work will be done in order to make the application interactive.</a:t>
-            </a:r>
-          </a:p>
-        </p:txBody>
-      </p:sp>
-    </p:spTree>
-  </p:cSld>
-  <p:clrMapOvr>
-    <a:masterClrMapping/>
-  </p:clrMapOvr>
-</p:sld>
-</file>
-
-<file path=ppt/slides/slide44.xml><?xml version="1.0" encoding="utf-8"?>
 <p:sld xmlns:a="http://schemas.openxmlformats.org/drawingml/2006/main" xmlns:r="http://schemas.openxmlformats.org/officeDocument/2006/relationships" xmlns:p="http://schemas.openxmlformats.org/presentationml/2006/main">
   <p:cSld>
     <p:spTree>
